--- a/HW_1/Figures4-5.pptx
+++ b/HW_1/Figures4-5.pptx
@@ -5,10 +5,11 @@
     <p:sldMasterId id="2147483660" r:id="rId1"/>
   </p:sldMasterIdLst>
   <p:notesMasterIdLst>
-    <p:notesMasterId r:id="rId3"/>
+    <p:notesMasterId r:id="rId4"/>
   </p:notesMasterIdLst>
   <p:sldIdLst>
     <p:sldId id="258" r:id="rId2"/>
+    <p:sldId id="259" r:id="rId3"/>
   </p:sldIdLst>
   <p:sldSz cx="36576000" cy="27432000"/>
   <p:notesSz cx="6858000" cy="9144000"/>
@@ -3409,10 +3410,10 @@
       </p:grpSpPr>
       <p:grpSp>
         <p:nvGrpSpPr>
-          <p:cNvPr id="98" name="Group 97">
+          <p:cNvPr id="23" name="Group 22">
             <a:extLst>
               <a:ext uri="{FF2B5EF4-FFF2-40B4-BE49-F238E27FC236}">
-                <a16:creationId xmlns:a16="http://schemas.microsoft.com/office/drawing/2014/main" id="{DD2C728A-0853-AD4E-A70E-9E163288CCCF}"/>
+                <a16:creationId xmlns:a16="http://schemas.microsoft.com/office/drawing/2014/main" id="{0A1CE6BD-24A0-5948-9109-4312A630F3F5}"/>
               </a:ext>
             </a:extLst>
           </p:cNvPr>
@@ -3421,9 +3422,9 @@
         </p:nvGrpSpPr>
         <p:grpSpPr>
           <a:xfrm>
-            <a:off x="3902003" y="7228749"/>
+            <a:off x="2467299" y="5368537"/>
             <a:ext cx="12992625" cy="19890651"/>
-            <a:chOff x="3902003" y="7228749"/>
+            <a:chOff x="10429803" y="7203349"/>
             <a:chExt cx="12992625" cy="19890651"/>
           </a:xfrm>
         </p:grpSpPr>
@@ -3449,7 +3450,7 @@
           </p:blipFill>
           <p:spPr>
             <a:xfrm>
-              <a:off x="5635170" y="22737900"/>
+              <a:off x="12162970" y="22712500"/>
               <a:ext cx="5842000" cy="4381500"/>
             </a:xfrm>
             <a:prstGeom prst="rect">
@@ -3479,7 +3480,7 @@
           </p:blipFill>
           <p:spPr>
             <a:xfrm>
-              <a:off x="5635170" y="18936886"/>
+              <a:off x="12162970" y="18911486"/>
               <a:ext cx="5842000" cy="4381500"/>
             </a:xfrm>
             <a:prstGeom prst="rect">
@@ -3509,7 +3510,7 @@
           </p:blipFill>
           <p:spPr>
             <a:xfrm>
-              <a:off x="5635170" y="15135874"/>
+              <a:off x="12162970" y="15110474"/>
               <a:ext cx="5842000" cy="4381500"/>
             </a:xfrm>
             <a:prstGeom prst="rect">
@@ -3539,7 +3540,7 @@
           </p:blipFill>
           <p:spPr>
             <a:xfrm>
-              <a:off x="5635170" y="11334862"/>
+              <a:off x="12162970" y="11309462"/>
               <a:ext cx="5842000" cy="4381500"/>
             </a:xfrm>
             <a:prstGeom prst="rect">
@@ -3569,7 +3570,7 @@
           </p:blipFill>
           <p:spPr>
             <a:xfrm>
-              <a:off x="5635170" y="7533850"/>
+              <a:off x="12162970" y="7508450"/>
               <a:ext cx="5842000" cy="4381500"/>
             </a:xfrm>
             <a:prstGeom prst="rect">
@@ -3599,7 +3600,7 @@
           </p:blipFill>
           <p:spPr>
             <a:xfrm>
-              <a:off x="11052628" y="22737900"/>
+              <a:off x="17580428" y="22712500"/>
               <a:ext cx="5842000" cy="4381500"/>
             </a:xfrm>
             <a:prstGeom prst="rect">
@@ -3629,7 +3630,7 @@
           </p:blipFill>
           <p:spPr>
             <a:xfrm>
-              <a:off x="11052628" y="18936886"/>
+              <a:off x="17580428" y="18911486"/>
               <a:ext cx="5842000" cy="4381500"/>
             </a:xfrm>
             <a:prstGeom prst="rect">
@@ -3659,7 +3660,7 @@
           </p:blipFill>
           <p:spPr>
             <a:xfrm>
-              <a:off x="11052628" y="15135874"/>
+              <a:off x="17580428" y="15110474"/>
               <a:ext cx="5842000" cy="4381500"/>
             </a:xfrm>
             <a:prstGeom prst="rect">
@@ -3689,7 +3690,7 @@
           </p:blipFill>
           <p:spPr>
             <a:xfrm>
-              <a:off x="11052628" y="11334862"/>
+              <a:off x="17580428" y="11309462"/>
               <a:ext cx="5842000" cy="4381500"/>
             </a:xfrm>
             <a:prstGeom prst="rect">
@@ -3719,7 +3720,7 @@
           </p:blipFill>
           <p:spPr>
             <a:xfrm>
-              <a:off x="11052628" y="7533850"/>
+              <a:off x="17580428" y="7508450"/>
               <a:ext cx="5842000" cy="4381500"/>
             </a:xfrm>
             <a:prstGeom prst="rect">
@@ -3741,7 +3742,7 @@
           </p:nvSpPr>
           <p:spPr>
             <a:xfrm>
-              <a:off x="5635170" y="7821948"/>
+              <a:off x="12162970" y="7796548"/>
               <a:ext cx="412292" cy="584775"/>
             </a:xfrm>
             <a:prstGeom prst="rect">
@@ -3779,7 +3780,7 @@
           </p:nvSpPr>
           <p:spPr>
             <a:xfrm>
-              <a:off x="11048315" y="7821948"/>
+              <a:off x="17576115" y="7796548"/>
               <a:ext cx="412292" cy="584775"/>
             </a:xfrm>
             <a:prstGeom prst="rect">
@@ -3817,7 +3818,7 @@
           </p:nvSpPr>
           <p:spPr>
             <a:xfrm>
-              <a:off x="5635170" y="23025998"/>
+              <a:off x="12162970" y="23000598"/>
               <a:ext cx="276038" cy="584775"/>
             </a:xfrm>
             <a:prstGeom prst="rect">
@@ -3855,7 +3856,7 @@
           </p:nvSpPr>
           <p:spPr>
             <a:xfrm>
-              <a:off x="11048315" y="23025998"/>
+              <a:off x="17576115" y="23000598"/>
               <a:ext cx="276038" cy="584775"/>
             </a:xfrm>
             <a:prstGeom prst="rect">
@@ -3893,7 +3894,7 @@
           </p:nvSpPr>
           <p:spPr>
             <a:xfrm>
-              <a:off x="5635170" y="11622960"/>
+              <a:off x="12162970" y="11597560"/>
               <a:ext cx="389850" cy="584775"/>
             </a:xfrm>
             <a:prstGeom prst="rect">
@@ -3931,7 +3932,7 @@
           </p:nvSpPr>
           <p:spPr>
             <a:xfrm>
-              <a:off x="5635170" y="15423972"/>
+              <a:off x="12162970" y="15398572"/>
               <a:ext cx="412292" cy="584775"/>
             </a:xfrm>
             <a:prstGeom prst="rect">
@@ -3969,7 +3970,7 @@
           </p:nvSpPr>
           <p:spPr>
             <a:xfrm>
-              <a:off x="5635170" y="19224984"/>
+              <a:off x="12162970" y="19199584"/>
               <a:ext cx="412292" cy="584775"/>
             </a:xfrm>
             <a:prstGeom prst="rect">
@@ -4007,7 +4008,7 @@
           </p:nvSpPr>
           <p:spPr>
             <a:xfrm>
-              <a:off x="11048315" y="11622960"/>
+              <a:off x="17576115" y="11597560"/>
               <a:ext cx="412292" cy="584775"/>
             </a:xfrm>
             <a:prstGeom prst="rect">
@@ -4045,7 +4046,7 @@
           </p:nvSpPr>
           <p:spPr>
             <a:xfrm>
-              <a:off x="11048315" y="15423973"/>
+              <a:off x="17576115" y="15398573"/>
               <a:ext cx="298480" cy="584775"/>
             </a:xfrm>
             <a:prstGeom prst="rect">
@@ -4083,7 +4084,7 @@
           </p:nvSpPr>
           <p:spPr>
             <a:xfrm>
-              <a:off x="11048315" y="19224985"/>
+              <a:off x="17576115" y="19199585"/>
               <a:ext cx="412292" cy="584775"/>
             </a:xfrm>
             <a:prstGeom prst="rect">
@@ -4121,7 +4122,7 @@
           </p:nvSpPr>
           <p:spPr>
             <a:xfrm>
-              <a:off x="7825842" y="7228750"/>
+              <a:off x="14353642" y="7203350"/>
               <a:ext cx="1460656" cy="584775"/>
             </a:xfrm>
             <a:prstGeom prst="rect">
@@ -4159,7 +4160,7 @@
           </p:nvSpPr>
           <p:spPr>
             <a:xfrm>
-              <a:off x="13243300" y="7228749"/>
+              <a:off x="19771100" y="7203349"/>
               <a:ext cx="1029449" cy="584775"/>
             </a:xfrm>
             <a:prstGeom prst="rect">
@@ -4197,7 +4198,7 @@
           </p:nvSpPr>
           <p:spPr>
             <a:xfrm>
-              <a:off x="4402941" y="9432212"/>
+              <a:off x="10930741" y="9406812"/>
               <a:ext cx="731290" cy="584775"/>
             </a:xfrm>
             <a:prstGeom prst="rect">
@@ -4235,7 +4236,7 @@
           </p:nvSpPr>
           <p:spPr>
             <a:xfrm>
-              <a:off x="3902003" y="13442235"/>
+              <a:off x="10429803" y="13416835"/>
               <a:ext cx="1733167" cy="584775"/>
             </a:xfrm>
             <a:prstGeom prst="rect">
@@ -4273,7 +4274,7 @@
           </p:nvSpPr>
           <p:spPr>
             <a:xfrm>
-              <a:off x="4242641" y="17034236"/>
+              <a:off x="10770441" y="17008836"/>
               <a:ext cx="1051891" cy="584775"/>
             </a:xfrm>
             <a:prstGeom prst="rect">
@@ -4311,7 +4312,7 @@
           </p:nvSpPr>
           <p:spPr>
             <a:xfrm>
-              <a:off x="4277106" y="21127636"/>
+              <a:off x="10804906" y="21102236"/>
               <a:ext cx="982961" cy="584775"/>
             </a:xfrm>
             <a:prstGeom prst="rect">
@@ -4353,7 +4354,7 @@
           </p:nvSpPr>
           <p:spPr>
             <a:xfrm>
-              <a:off x="4231420" y="24636261"/>
+              <a:off x="10759220" y="24610861"/>
               <a:ext cx="1074333" cy="584775"/>
             </a:xfrm>
             <a:prstGeom prst="rect">
@@ -4380,10 +4381,10 @@
       </p:grpSp>
       <p:grpSp>
         <p:nvGrpSpPr>
-          <p:cNvPr id="100" name="Group 99">
+          <p:cNvPr id="24" name="Group 23">
             <a:extLst>
               <a:ext uri="{FF2B5EF4-FFF2-40B4-BE49-F238E27FC236}">
-                <a16:creationId xmlns:a16="http://schemas.microsoft.com/office/drawing/2014/main" id="{6DBA455D-FD63-FD47-A2AD-BC925990CF61}"/>
+                <a16:creationId xmlns:a16="http://schemas.microsoft.com/office/drawing/2014/main" id="{B77DEAB6-E0C4-C445-A61D-48B1A0925429}"/>
               </a:ext>
             </a:extLst>
           </p:cNvPr>
@@ -4392,18 +4393,18 @@
         </p:nvGrpSpPr>
         <p:grpSpPr>
           <a:xfrm>
-            <a:off x="16994027" y="6949074"/>
-            <a:ext cx="12809491" cy="12397326"/>
-            <a:chOff x="16994027" y="6949074"/>
-            <a:chExt cx="12809491" cy="12397326"/>
+            <a:off x="16010504" y="5124867"/>
+            <a:ext cx="12831220" cy="20098314"/>
+            <a:chOff x="23078961" y="7118640"/>
+            <a:chExt cx="12831220" cy="20098314"/>
           </a:xfrm>
         </p:grpSpPr>
         <p:pic>
           <p:nvPicPr>
-            <p:cNvPr id="81" name="Picture 80">
+            <p:cNvPr id="13" name="Picture 12">
               <a:extLst>
                 <a:ext uri="{FF2B5EF4-FFF2-40B4-BE49-F238E27FC236}">
-                  <a16:creationId xmlns:a16="http://schemas.microsoft.com/office/drawing/2014/main" id="{6D46A22A-83CD-7245-A062-AD6D0C41A7BC}"/>
+                  <a16:creationId xmlns:a16="http://schemas.microsoft.com/office/drawing/2014/main" id="{F2FA90A2-6C40-BA4C-8FF6-524338E3C5D8}"/>
                 </a:ext>
               </a:extLst>
             </p:cNvPr>
@@ -4420,7 +4421,7 @@
           </p:blipFill>
           <p:spPr>
             <a:xfrm>
-              <a:off x="18652224" y="14964900"/>
+              <a:off x="24757351" y="22835454"/>
               <a:ext cx="5842000" cy="4381500"/>
             </a:xfrm>
             <a:prstGeom prst="rect">
@@ -4430,10 +4431,40 @@
         </p:pic>
         <p:pic>
           <p:nvPicPr>
-            <p:cNvPr id="83" name="Picture 82">
+            <p:cNvPr id="15" name="Picture 14">
               <a:extLst>
                 <a:ext uri="{FF2B5EF4-FFF2-40B4-BE49-F238E27FC236}">
-                  <a16:creationId xmlns:a16="http://schemas.microsoft.com/office/drawing/2014/main" id="{C524F2AF-ED39-0248-95E0-CB0E743C7EB1}"/>
+                  <a16:creationId xmlns:a16="http://schemas.microsoft.com/office/drawing/2014/main" id="{CBC6CC03-1439-9F4B-8456-71FB958E076F}"/>
+                </a:ext>
+              </a:extLst>
+            </p:cNvPr>
+            <p:cNvPicPr>
+              <a:picLocks noChangeAspect="1"/>
+            </p:cNvPicPr>
+            <p:nvPr/>
+          </p:nvPicPr>
+          <p:blipFill>
+            <a:blip r:embed="rId4"/>
+            <a:stretch>
+              <a:fillRect/>
+            </a:stretch>
+          </p:blipFill>
+          <p:spPr>
+            <a:xfrm>
+              <a:off x="24757351" y="19034442"/>
+              <a:ext cx="5842000" cy="4381500"/>
+            </a:xfrm>
+            <a:prstGeom prst="rect">
+              <a:avLst/>
+            </a:prstGeom>
+          </p:spPr>
+        </p:pic>
+        <p:pic>
+          <p:nvPicPr>
+            <p:cNvPr id="17" name="Picture 16">
+              <a:extLst>
+                <a:ext uri="{FF2B5EF4-FFF2-40B4-BE49-F238E27FC236}">
+                  <a16:creationId xmlns:a16="http://schemas.microsoft.com/office/drawing/2014/main" id="{134DF588-44FE-9246-AE3C-1B86073080CB}"/>
                 </a:ext>
               </a:extLst>
             </p:cNvPr>
@@ -4450,7 +4481,7 @@
           </p:blipFill>
           <p:spPr>
             <a:xfrm>
-              <a:off x="18652224" y="11242215"/>
+              <a:off x="24757351" y="15233430"/>
               <a:ext cx="5842000" cy="4381500"/>
             </a:xfrm>
             <a:prstGeom prst="rect">
@@ -4460,10 +4491,10 @@
         </p:pic>
         <p:pic>
           <p:nvPicPr>
-            <p:cNvPr id="85" name="Picture 84">
+            <p:cNvPr id="19" name="Picture 18">
               <a:extLst>
                 <a:ext uri="{FF2B5EF4-FFF2-40B4-BE49-F238E27FC236}">
-                  <a16:creationId xmlns:a16="http://schemas.microsoft.com/office/drawing/2014/main" id="{30BF3A72-DA0C-B843-955D-68F3F5C5AADC}"/>
+                  <a16:creationId xmlns:a16="http://schemas.microsoft.com/office/drawing/2014/main" id="{07096362-7C7A-2F45-AAEF-6FDF69811F25}"/>
                 </a:ext>
               </a:extLst>
             </p:cNvPr>
@@ -4480,7 +4511,7 @@
           </p:blipFill>
           <p:spPr>
             <a:xfrm>
-              <a:off x="18652224" y="7519530"/>
+              <a:off x="24757351" y="11432418"/>
               <a:ext cx="5842000" cy="4381500"/>
             </a:xfrm>
             <a:prstGeom prst="rect">
@@ -4490,10 +4521,10 @@
         </p:pic>
         <p:pic>
           <p:nvPicPr>
-            <p:cNvPr id="75" name="Picture 74">
+            <p:cNvPr id="21" name="Picture 20">
               <a:extLst>
                 <a:ext uri="{FF2B5EF4-FFF2-40B4-BE49-F238E27FC236}">
-                  <a16:creationId xmlns:a16="http://schemas.microsoft.com/office/drawing/2014/main" id="{4613F622-8689-234D-90D7-8E2331C4571C}"/>
+                  <a16:creationId xmlns:a16="http://schemas.microsoft.com/office/drawing/2014/main" id="{8CAB0DE5-C24D-1844-BD85-5D83D15401FC}"/>
                 </a:ext>
               </a:extLst>
             </p:cNvPr>
@@ -4510,7 +4541,7 @@
           </p:blipFill>
           <p:spPr>
             <a:xfrm>
-              <a:off x="23961518" y="14964900"/>
+              <a:off x="24757351" y="7631406"/>
               <a:ext cx="5842000" cy="4381500"/>
             </a:xfrm>
             <a:prstGeom prst="rect">
@@ -4520,10 +4551,10 @@
         </p:pic>
         <p:pic>
           <p:nvPicPr>
-            <p:cNvPr id="77" name="Picture 76">
+            <p:cNvPr id="3" name="Picture 2">
               <a:extLst>
                 <a:ext uri="{FF2B5EF4-FFF2-40B4-BE49-F238E27FC236}">
-                  <a16:creationId xmlns:a16="http://schemas.microsoft.com/office/drawing/2014/main" id="{AF563353-E279-2A4F-B20A-DF799CF7EB4C}"/>
+                  <a16:creationId xmlns:a16="http://schemas.microsoft.com/office/drawing/2014/main" id="{F01BCBF0-52B3-2640-9EA5-D7D06F560417}"/>
                 </a:ext>
               </a:extLst>
             </p:cNvPr>
@@ -4540,7 +4571,7 @@
           </p:blipFill>
           <p:spPr>
             <a:xfrm>
-              <a:off x="23961518" y="11242215"/>
+              <a:off x="30068181" y="22835454"/>
               <a:ext cx="5842000" cy="4381500"/>
             </a:xfrm>
             <a:prstGeom prst="rect">
@@ -4550,10 +4581,10 @@
         </p:pic>
         <p:pic>
           <p:nvPicPr>
-            <p:cNvPr id="79" name="Picture 78">
+            <p:cNvPr id="5" name="Picture 4">
               <a:extLst>
                 <a:ext uri="{FF2B5EF4-FFF2-40B4-BE49-F238E27FC236}">
-                  <a16:creationId xmlns:a16="http://schemas.microsoft.com/office/drawing/2014/main" id="{9A603E67-C59A-1841-A9B3-33A8CF5D3390}"/>
+                  <a16:creationId xmlns:a16="http://schemas.microsoft.com/office/drawing/2014/main" id="{35A2880D-B88C-5748-BF12-054281C6FA23}"/>
                 </a:ext>
               </a:extLst>
             </p:cNvPr>
@@ -4570,7 +4601,97 @@
           </p:blipFill>
           <p:spPr>
             <a:xfrm>
-              <a:off x="23961518" y="7519530"/>
+              <a:off x="30068181" y="19034442"/>
+              <a:ext cx="5842000" cy="4381500"/>
+            </a:xfrm>
+            <a:prstGeom prst="rect">
+              <a:avLst/>
+            </a:prstGeom>
+          </p:spPr>
+        </p:pic>
+        <p:pic>
+          <p:nvPicPr>
+            <p:cNvPr id="7" name="Picture 6">
+              <a:extLst>
+                <a:ext uri="{FF2B5EF4-FFF2-40B4-BE49-F238E27FC236}">
+                  <a16:creationId xmlns:a16="http://schemas.microsoft.com/office/drawing/2014/main" id="{73C64DC9-9BB7-4644-A622-50B766245A12}"/>
+                </a:ext>
+              </a:extLst>
+            </p:cNvPr>
+            <p:cNvPicPr>
+              <a:picLocks noChangeAspect="1"/>
+            </p:cNvPicPr>
+            <p:nvPr/>
+          </p:nvPicPr>
+          <p:blipFill>
+            <a:blip r:embed="rId19"/>
+            <a:stretch>
+              <a:fillRect/>
+            </a:stretch>
+          </p:blipFill>
+          <p:spPr>
+            <a:xfrm>
+              <a:off x="30068181" y="15233430"/>
+              <a:ext cx="5842000" cy="4381500"/>
+            </a:xfrm>
+            <a:prstGeom prst="rect">
+              <a:avLst/>
+            </a:prstGeom>
+          </p:spPr>
+        </p:pic>
+        <p:pic>
+          <p:nvPicPr>
+            <p:cNvPr id="9" name="Picture 8">
+              <a:extLst>
+                <a:ext uri="{FF2B5EF4-FFF2-40B4-BE49-F238E27FC236}">
+                  <a16:creationId xmlns:a16="http://schemas.microsoft.com/office/drawing/2014/main" id="{7F559B13-5925-7041-A7AE-A185706B0D73}"/>
+                </a:ext>
+              </a:extLst>
+            </p:cNvPr>
+            <p:cNvPicPr>
+              <a:picLocks noChangeAspect="1"/>
+            </p:cNvPicPr>
+            <p:nvPr/>
+          </p:nvPicPr>
+          <p:blipFill>
+            <a:blip r:embed="rId20"/>
+            <a:stretch>
+              <a:fillRect/>
+            </a:stretch>
+          </p:blipFill>
+          <p:spPr>
+            <a:xfrm>
+              <a:off x="30068181" y="11432418"/>
+              <a:ext cx="5842000" cy="4381500"/>
+            </a:xfrm>
+            <a:prstGeom prst="rect">
+              <a:avLst/>
+            </a:prstGeom>
+          </p:spPr>
+        </p:pic>
+        <p:pic>
+          <p:nvPicPr>
+            <p:cNvPr id="11" name="Picture 10">
+              <a:extLst>
+                <a:ext uri="{FF2B5EF4-FFF2-40B4-BE49-F238E27FC236}">
+                  <a16:creationId xmlns:a16="http://schemas.microsoft.com/office/drawing/2014/main" id="{A479E384-04E8-4744-A57C-5F72230CB9CA}"/>
+                </a:ext>
+              </a:extLst>
+            </p:cNvPr>
+            <p:cNvPicPr>
+              <a:picLocks noChangeAspect="1"/>
+            </p:cNvPicPr>
+            <p:nvPr/>
+          </p:nvPicPr>
+          <p:blipFill>
+            <a:blip r:embed="rId21"/>
+            <a:stretch>
+              <a:fillRect/>
+            </a:stretch>
+          </p:blipFill>
+          <p:spPr>
+            <a:xfrm>
+              <a:off x="30068181" y="7631406"/>
               <a:ext cx="5842000" cy="4381500"/>
             </a:xfrm>
             <a:prstGeom prst="rect">
@@ -4580,10 +4701,10 @@
         </p:pic>
         <p:sp>
           <p:nvSpPr>
-            <p:cNvPr id="87" name="TextBox 86">
+            <p:cNvPr id="73" name="TextBox 72">
               <a:extLst>
                 <a:ext uri="{FF2B5EF4-FFF2-40B4-BE49-F238E27FC236}">
-                  <a16:creationId xmlns:a16="http://schemas.microsoft.com/office/drawing/2014/main" id="{DE79B959-4DE3-9F4F-B0D6-7DC0D759772D}"/>
+                  <a16:creationId xmlns:a16="http://schemas.microsoft.com/office/drawing/2014/main" id="{96209AE7-FCA0-1648-953E-4A92CE325A70}"/>
                 </a:ext>
               </a:extLst>
             </p:cNvPr>
@@ -4592,7 +4713,7 @@
           </p:nvSpPr>
           <p:spPr>
             <a:xfrm>
-              <a:off x="18632108" y="7542273"/>
+              <a:off x="24812128" y="7711839"/>
               <a:ext cx="412292" cy="584775"/>
             </a:xfrm>
             <a:prstGeom prst="rect">
@@ -4618,10 +4739,10 @@
         </p:sp>
         <p:sp>
           <p:nvSpPr>
-            <p:cNvPr id="88" name="TextBox 87">
+            <p:cNvPr id="74" name="TextBox 73">
               <a:extLst>
                 <a:ext uri="{FF2B5EF4-FFF2-40B4-BE49-F238E27FC236}">
-                  <a16:creationId xmlns:a16="http://schemas.microsoft.com/office/drawing/2014/main" id="{BA93033F-01F4-CC4F-8019-B9F118111B17}"/>
+                  <a16:creationId xmlns:a16="http://schemas.microsoft.com/office/drawing/2014/main" id="{51371EFF-4740-BF44-AC65-49D263C939A9}"/>
                 </a:ext>
               </a:extLst>
             </p:cNvPr>
@@ -4630,7 +4751,7 @@
           </p:nvSpPr>
           <p:spPr>
             <a:xfrm>
-              <a:off x="24045253" y="7542273"/>
+              <a:off x="30225273" y="7711839"/>
               <a:ext cx="412292" cy="584775"/>
             </a:xfrm>
             <a:prstGeom prst="rect">
@@ -4656,10 +4777,10 @@
         </p:sp>
         <p:sp>
           <p:nvSpPr>
-            <p:cNvPr id="89" name="TextBox 88">
+            <p:cNvPr id="76" name="TextBox 75">
               <a:extLst>
                 <a:ext uri="{FF2B5EF4-FFF2-40B4-BE49-F238E27FC236}">
-                  <a16:creationId xmlns:a16="http://schemas.microsoft.com/office/drawing/2014/main" id="{73F67A37-E32D-A94E-B61F-037E8838B284}"/>
+                  <a16:creationId xmlns:a16="http://schemas.microsoft.com/office/drawing/2014/main" id="{5628B064-3949-A74C-A614-49E3C35274E9}"/>
                 </a:ext>
               </a:extLst>
             </p:cNvPr>
@@ -4668,7 +4789,83 @@
           </p:nvSpPr>
           <p:spPr>
             <a:xfrm>
-              <a:off x="18632108" y="11343285"/>
+              <a:off x="24812128" y="22915889"/>
+              <a:ext cx="276038" cy="584775"/>
+            </a:xfrm>
+            <a:prstGeom prst="rect">
+              <a:avLst/>
+            </a:prstGeom>
+            <a:noFill/>
+          </p:spPr>
+          <p:txBody>
+            <a:bodyPr wrap="none" rtlCol="0">
+              <a:spAutoFit/>
+            </a:bodyPr>
+            <a:lstStyle/>
+            <a:p>
+              <a:r>
+                <a:rPr lang="en-US" sz="3200" dirty="0">
+                  <a:latin typeface="Arial" panose="020B0604020202020204" pitchFamily="34" charset="0"/>
+                  <a:cs typeface="Arial" panose="020B0604020202020204" pitchFamily="34" charset="0"/>
+                </a:rPr>
+                <a:t>i</a:t>
+              </a:r>
+            </a:p>
+          </p:txBody>
+        </p:sp>
+        <p:sp>
+          <p:nvSpPr>
+            <p:cNvPr id="78" name="TextBox 77">
+              <a:extLst>
+                <a:ext uri="{FF2B5EF4-FFF2-40B4-BE49-F238E27FC236}">
+                  <a16:creationId xmlns:a16="http://schemas.microsoft.com/office/drawing/2014/main" id="{C9C36BC5-1764-8B45-A27F-83F4AD47E294}"/>
+                </a:ext>
+              </a:extLst>
+            </p:cNvPr>
+            <p:cNvSpPr txBox="1"/>
+            <p:nvPr/>
+          </p:nvSpPr>
+          <p:spPr>
+            <a:xfrm>
+              <a:off x="30225273" y="22915889"/>
+              <a:ext cx="276038" cy="584775"/>
+            </a:xfrm>
+            <a:prstGeom prst="rect">
+              <a:avLst/>
+            </a:prstGeom>
+            <a:noFill/>
+          </p:spPr>
+          <p:txBody>
+            <a:bodyPr wrap="none" rtlCol="0">
+              <a:spAutoFit/>
+            </a:bodyPr>
+            <a:lstStyle/>
+            <a:p>
+              <a:r>
+                <a:rPr lang="en-US" sz="3200" dirty="0">
+                  <a:latin typeface="Arial" panose="020B0604020202020204" pitchFamily="34" charset="0"/>
+                  <a:cs typeface="Arial" panose="020B0604020202020204" pitchFamily="34" charset="0"/>
+                </a:rPr>
+                <a:t>j</a:t>
+              </a:r>
+            </a:p>
+          </p:txBody>
+        </p:sp>
+        <p:sp>
+          <p:nvSpPr>
+            <p:cNvPr id="80" name="TextBox 79">
+              <a:extLst>
+                <a:ext uri="{FF2B5EF4-FFF2-40B4-BE49-F238E27FC236}">
+                  <a16:creationId xmlns:a16="http://schemas.microsoft.com/office/drawing/2014/main" id="{747EA3D2-1C4F-374E-858E-B63AFF61E7B7}"/>
+                </a:ext>
+              </a:extLst>
+            </p:cNvPr>
+            <p:cNvSpPr txBox="1"/>
+            <p:nvPr/>
+          </p:nvSpPr>
+          <p:spPr>
+            <a:xfrm>
+              <a:off x="24812128" y="11512851"/>
               <a:ext cx="389850" cy="584775"/>
             </a:xfrm>
             <a:prstGeom prst="rect">
@@ -4694,10 +4891,10 @@
         </p:sp>
         <p:sp>
           <p:nvSpPr>
-            <p:cNvPr id="90" name="TextBox 89">
+            <p:cNvPr id="82" name="TextBox 81">
               <a:extLst>
                 <a:ext uri="{FF2B5EF4-FFF2-40B4-BE49-F238E27FC236}">
-                  <a16:creationId xmlns:a16="http://schemas.microsoft.com/office/drawing/2014/main" id="{2A094E1F-503A-2949-AEC7-AB50924DC7CD}"/>
+                  <a16:creationId xmlns:a16="http://schemas.microsoft.com/office/drawing/2014/main" id="{8BC211FA-D93E-F640-979B-E250791E430A}"/>
                 </a:ext>
               </a:extLst>
             </p:cNvPr>
@@ -4706,7 +4903,7 @@
           </p:nvSpPr>
           <p:spPr>
             <a:xfrm>
-              <a:off x="18632108" y="15144297"/>
+              <a:off x="24812128" y="15313863"/>
               <a:ext cx="412292" cy="584775"/>
             </a:xfrm>
             <a:prstGeom prst="rect">
@@ -4732,10 +4929,10 @@
         </p:sp>
         <p:sp>
           <p:nvSpPr>
-            <p:cNvPr id="91" name="TextBox 90">
+            <p:cNvPr id="84" name="TextBox 83">
               <a:extLst>
                 <a:ext uri="{FF2B5EF4-FFF2-40B4-BE49-F238E27FC236}">
-                  <a16:creationId xmlns:a16="http://schemas.microsoft.com/office/drawing/2014/main" id="{AF187E3C-4457-754C-B234-BDFB78615E31}"/>
+                  <a16:creationId xmlns:a16="http://schemas.microsoft.com/office/drawing/2014/main" id="{DCD8A77B-49F6-C243-8815-A4415F77DB27}"/>
                 </a:ext>
               </a:extLst>
             </p:cNvPr>
@@ -4744,7 +4941,45 @@
           </p:nvSpPr>
           <p:spPr>
             <a:xfrm>
-              <a:off x="24045253" y="11343285"/>
+              <a:off x="24812128" y="19114875"/>
+              <a:ext cx="412292" cy="584775"/>
+            </a:xfrm>
+            <a:prstGeom prst="rect">
+              <a:avLst/>
+            </a:prstGeom>
+            <a:noFill/>
+          </p:spPr>
+          <p:txBody>
+            <a:bodyPr wrap="none" rtlCol="0">
+              <a:spAutoFit/>
+            </a:bodyPr>
+            <a:lstStyle/>
+            <a:p>
+              <a:r>
+                <a:rPr lang="en-US" sz="3200" dirty="0">
+                  <a:latin typeface="Arial" panose="020B0604020202020204" pitchFamily="34" charset="0"/>
+                  <a:cs typeface="Arial" panose="020B0604020202020204" pitchFamily="34" charset="0"/>
+                </a:rPr>
+                <a:t>g</a:t>
+              </a:r>
+            </a:p>
+          </p:txBody>
+        </p:sp>
+        <p:sp>
+          <p:nvSpPr>
+            <p:cNvPr id="86" name="TextBox 85">
+              <a:extLst>
+                <a:ext uri="{FF2B5EF4-FFF2-40B4-BE49-F238E27FC236}">
+                  <a16:creationId xmlns:a16="http://schemas.microsoft.com/office/drawing/2014/main" id="{45437F60-C26C-C540-ADD0-ACC36CA70A6A}"/>
+                </a:ext>
+              </a:extLst>
+            </p:cNvPr>
+            <p:cNvSpPr txBox="1"/>
+            <p:nvPr/>
+          </p:nvSpPr>
+          <p:spPr>
+            <a:xfrm>
+              <a:off x="30225273" y="11512851"/>
               <a:ext cx="412292" cy="584775"/>
             </a:xfrm>
             <a:prstGeom prst="rect">
@@ -4770,10 +5005,10 @@
         </p:sp>
         <p:sp>
           <p:nvSpPr>
-            <p:cNvPr id="92" name="TextBox 91">
+            <p:cNvPr id="99" name="TextBox 98">
               <a:extLst>
                 <a:ext uri="{FF2B5EF4-FFF2-40B4-BE49-F238E27FC236}">
-                  <a16:creationId xmlns:a16="http://schemas.microsoft.com/office/drawing/2014/main" id="{FEEF91F1-1C4C-D743-A114-90D37AD03030}"/>
+                  <a16:creationId xmlns:a16="http://schemas.microsoft.com/office/drawing/2014/main" id="{1899E04D-FCB3-904A-AC9E-1E32F7F6CFAA}"/>
                 </a:ext>
               </a:extLst>
             </p:cNvPr>
@@ -4782,7 +5017,7 @@
           </p:nvSpPr>
           <p:spPr>
             <a:xfrm>
-              <a:off x="24045253" y="15144298"/>
+              <a:off x="30225273" y="15313864"/>
               <a:ext cx="298480" cy="584775"/>
             </a:xfrm>
             <a:prstGeom prst="rect">
@@ -4808,10 +5043,10 @@
         </p:sp>
         <p:sp>
           <p:nvSpPr>
-            <p:cNvPr id="93" name="TextBox 92">
+            <p:cNvPr id="101" name="TextBox 100">
               <a:extLst>
                 <a:ext uri="{FF2B5EF4-FFF2-40B4-BE49-F238E27FC236}">
-                  <a16:creationId xmlns:a16="http://schemas.microsoft.com/office/drawing/2014/main" id="{10E94A46-09CB-D44E-8ED2-35A2B30A9871}"/>
+                  <a16:creationId xmlns:a16="http://schemas.microsoft.com/office/drawing/2014/main" id="{B035D018-D9EB-4849-A89D-CD024FAA62F6}"/>
                 </a:ext>
               </a:extLst>
             </p:cNvPr>
@@ -4820,7 +5055,45 @@
           </p:nvSpPr>
           <p:spPr>
             <a:xfrm>
-              <a:off x="20822780" y="6949075"/>
+              <a:off x="30225273" y="19114876"/>
+              <a:ext cx="412292" cy="584775"/>
+            </a:xfrm>
+            <a:prstGeom prst="rect">
+              <a:avLst/>
+            </a:prstGeom>
+            <a:noFill/>
+          </p:spPr>
+          <p:txBody>
+            <a:bodyPr wrap="none" rtlCol="0">
+              <a:spAutoFit/>
+            </a:bodyPr>
+            <a:lstStyle/>
+            <a:p>
+              <a:r>
+                <a:rPr lang="en-US" sz="3200" dirty="0">
+                  <a:latin typeface="Arial" panose="020B0604020202020204" pitchFamily="34" charset="0"/>
+                  <a:cs typeface="Arial" panose="020B0604020202020204" pitchFamily="34" charset="0"/>
+                </a:rPr>
+                <a:t>h</a:t>
+              </a:r>
+            </a:p>
+          </p:txBody>
+        </p:sp>
+        <p:sp>
+          <p:nvSpPr>
+            <p:cNvPr id="102" name="TextBox 101">
+              <a:extLst>
+                <a:ext uri="{FF2B5EF4-FFF2-40B4-BE49-F238E27FC236}">
+                  <a16:creationId xmlns:a16="http://schemas.microsoft.com/office/drawing/2014/main" id="{427EE458-74A9-2D4C-B174-345E72838A94}"/>
+                </a:ext>
+              </a:extLst>
+            </p:cNvPr>
+            <p:cNvSpPr txBox="1"/>
+            <p:nvPr/>
+          </p:nvSpPr>
+          <p:spPr>
+            <a:xfrm>
+              <a:off x="27002800" y="7118641"/>
               <a:ext cx="1460656" cy="584775"/>
             </a:xfrm>
             <a:prstGeom prst="rect">
@@ -4846,10 +5119,10 @@
         </p:sp>
         <p:sp>
           <p:nvSpPr>
-            <p:cNvPr id="94" name="TextBox 93">
+            <p:cNvPr id="103" name="TextBox 102">
               <a:extLst>
                 <a:ext uri="{FF2B5EF4-FFF2-40B4-BE49-F238E27FC236}">
-                  <a16:creationId xmlns:a16="http://schemas.microsoft.com/office/drawing/2014/main" id="{46BDF1CB-09DA-1D40-BEA4-2A3778BB3E78}"/>
+                  <a16:creationId xmlns:a16="http://schemas.microsoft.com/office/drawing/2014/main" id="{B93FA874-D4BB-6149-9839-7D9374D35841}"/>
                 </a:ext>
               </a:extLst>
             </p:cNvPr>
@@ -4858,7 +5131,7 @@
           </p:nvSpPr>
           <p:spPr>
             <a:xfrm>
-              <a:off x="26240238" y="6949074"/>
+              <a:off x="32420258" y="7118640"/>
               <a:ext cx="1029449" cy="584775"/>
             </a:xfrm>
             <a:prstGeom prst="rect">
@@ -4884,10 +5157,10 @@
         </p:sp>
         <p:sp>
           <p:nvSpPr>
-            <p:cNvPr id="95" name="TextBox 94">
+            <p:cNvPr id="104" name="TextBox 103">
               <a:extLst>
                 <a:ext uri="{FF2B5EF4-FFF2-40B4-BE49-F238E27FC236}">
-                  <a16:creationId xmlns:a16="http://schemas.microsoft.com/office/drawing/2014/main" id="{9CCB67E4-0E37-B041-B8DA-9169A9F0671D}"/>
+                  <a16:creationId xmlns:a16="http://schemas.microsoft.com/office/drawing/2014/main" id="{F013B1ED-3905-644C-AAFB-69AB1E4243C3}"/>
                 </a:ext>
               </a:extLst>
             </p:cNvPr>
@@ -4896,7 +5169,45 @@
           </p:nvSpPr>
           <p:spPr>
             <a:xfrm>
-              <a:off x="16994027" y="9417892"/>
+              <a:off x="23579899" y="9322103"/>
+              <a:ext cx="731290" cy="584775"/>
+            </a:xfrm>
+            <a:prstGeom prst="rect">
+              <a:avLst/>
+            </a:prstGeom>
+            <a:noFill/>
+          </p:spPr>
+          <p:txBody>
+            <a:bodyPr wrap="none" rtlCol="0">
+              <a:spAutoFit/>
+            </a:bodyPr>
+            <a:lstStyle/>
+            <a:p>
+              <a:r>
+                <a:rPr lang="en-US" sz="3200" dirty="0">
+                  <a:latin typeface="Arial" panose="020B0604020202020204" pitchFamily="34" charset="0"/>
+                  <a:cs typeface="Arial" panose="020B0604020202020204" pitchFamily="34" charset="0"/>
+                </a:rPr>
+                <a:t>DT</a:t>
+              </a:r>
+            </a:p>
+          </p:txBody>
+        </p:sp>
+        <p:sp>
+          <p:nvSpPr>
+            <p:cNvPr id="105" name="TextBox 104">
+              <a:extLst>
+                <a:ext uri="{FF2B5EF4-FFF2-40B4-BE49-F238E27FC236}">
+                  <a16:creationId xmlns:a16="http://schemas.microsoft.com/office/drawing/2014/main" id="{6E1E2267-A0C3-4542-B6AF-6200E00CA138}"/>
+                </a:ext>
+              </a:extLst>
+            </p:cNvPr>
+            <p:cNvSpPr txBox="1"/>
+            <p:nvPr/>
+          </p:nvSpPr>
+          <p:spPr>
+            <a:xfrm>
+              <a:off x="23078961" y="13332126"/>
               <a:ext cx="1733167" cy="584775"/>
             </a:xfrm>
             <a:prstGeom prst="rect">
@@ -4922,10 +5233,10 @@
         </p:sp>
         <p:sp>
           <p:nvSpPr>
-            <p:cNvPr id="96" name="TextBox 95">
+            <p:cNvPr id="106" name="TextBox 105">
               <a:extLst>
                 <a:ext uri="{FF2B5EF4-FFF2-40B4-BE49-F238E27FC236}">
-                  <a16:creationId xmlns:a16="http://schemas.microsoft.com/office/drawing/2014/main" id="{00B51AB5-3476-3646-AD7D-57C88FA476D2}"/>
+                  <a16:creationId xmlns:a16="http://schemas.microsoft.com/office/drawing/2014/main" id="{C7D263C7-469E-A64B-8B90-2F077FA5B34B}"/>
                 </a:ext>
               </a:extLst>
             </p:cNvPr>
@@ -4934,7 +5245,7 @@
           </p:nvSpPr>
           <p:spPr>
             <a:xfrm>
-              <a:off x="17334665" y="12848190"/>
+              <a:off x="23419599" y="16924127"/>
               <a:ext cx="1051891" cy="584775"/>
             </a:xfrm>
             <a:prstGeom prst="rect">
@@ -4960,10 +5271,10 @@
         </p:sp>
         <p:sp>
           <p:nvSpPr>
-            <p:cNvPr id="97" name="TextBox 96">
+            <p:cNvPr id="107" name="TextBox 106">
               <a:extLst>
                 <a:ext uri="{FF2B5EF4-FFF2-40B4-BE49-F238E27FC236}">
-                  <a16:creationId xmlns:a16="http://schemas.microsoft.com/office/drawing/2014/main" id="{8759AA8D-CBAB-734A-BAA2-83A4F8070E17}"/>
+                  <a16:creationId xmlns:a16="http://schemas.microsoft.com/office/drawing/2014/main" id="{0B316CBF-935A-834D-A7E6-3FA88C7504D9}"/>
                 </a:ext>
               </a:extLst>
             </p:cNvPr>
@@ -4972,7 +5283,49 @@
           </p:nvSpPr>
           <p:spPr>
             <a:xfrm>
-              <a:off x="17323444" y="16867482"/>
+              <a:off x="23454064" y="21017527"/>
+              <a:ext cx="982961" cy="584775"/>
+            </a:xfrm>
+            <a:prstGeom prst="rect">
+              <a:avLst/>
+            </a:prstGeom>
+            <a:noFill/>
+          </p:spPr>
+          <p:txBody>
+            <a:bodyPr wrap="none" rtlCol="0">
+              <a:spAutoFit/>
+            </a:bodyPr>
+            <a:lstStyle/>
+            <a:p>
+              <a:r>
+                <a:rPr lang="en-US" sz="3200" dirty="0" err="1">
+                  <a:latin typeface="Arial" panose="020B0604020202020204" pitchFamily="34" charset="0"/>
+                  <a:cs typeface="Arial" panose="020B0604020202020204" pitchFamily="34" charset="0"/>
+                </a:rPr>
+                <a:t>kNN</a:t>
+              </a:r>
+              <a:endParaRPr lang="en-US" sz="3200" dirty="0">
+                <a:latin typeface="Arial" panose="020B0604020202020204" pitchFamily="34" charset="0"/>
+                <a:cs typeface="Arial" panose="020B0604020202020204" pitchFamily="34" charset="0"/>
+              </a:endParaRPr>
+            </a:p>
+          </p:txBody>
+        </p:sp>
+        <p:sp>
+          <p:nvSpPr>
+            <p:cNvPr id="108" name="TextBox 107">
+              <a:extLst>
+                <a:ext uri="{FF2B5EF4-FFF2-40B4-BE49-F238E27FC236}">
+                  <a16:creationId xmlns:a16="http://schemas.microsoft.com/office/drawing/2014/main" id="{C00EADC3-8C8F-F040-AB0A-6B023166DD9D}"/>
+                </a:ext>
+              </a:extLst>
+            </p:cNvPr>
+            <p:cNvSpPr txBox="1"/>
+            <p:nvPr/>
+          </p:nvSpPr>
+          <p:spPr>
+            <a:xfrm>
+              <a:off x="23408378" y="24526152"/>
               <a:ext cx="1074333" cy="584775"/>
             </a:xfrm>
             <a:prstGeom prst="rect">
@@ -5001,6 +5354,1253 @@
     <p:extLst>
       <p:ext uri="{BB962C8B-B14F-4D97-AF65-F5344CB8AC3E}">
         <p14:creationId xmlns:p14="http://schemas.microsoft.com/office/powerpoint/2010/main" val="576195089"/>
+      </p:ext>
+    </p:extLst>
+  </p:cSld>
+  <p:clrMapOvr>
+    <a:masterClrMapping/>
+  </p:clrMapOvr>
+</p:sld>
+</file>
+
+<file path=ppt/slides/slide2.xml><?xml version="1.0" encoding="utf-8"?>
+<p:sld xmlns:a="http://schemas.openxmlformats.org/drawingml/2006/main" xmlns:r="http://schemas.openxmlformats.org/officeDocument/2006/relationships" xmlns:p="http://schemas.openxmlformats.org/presentationml/2006/main">
+  <p:cSld>
+    <p:spTree>
+      <p:nvGrpSpPr>
+        <p:cNvPr id="1" name=""/>
+        <p:cNvGrpSpPr/>
+        <p:nvPr/>
+      </p:nvGrpSpPr>
+      <p:grpSpPr>
+        <a:xfrm>
+          <a:off x="0" y="0"/>
+          <a:ext cx="0" cy="0"/>
+          <a:chOff x="0" y="0"/>
+          <a:chExt cx="0" cy="0"/>
+        </a:xfrm>
+      </p:grpSpPr>
+      <p:pic>
+        <p:nvPicPr>
+          <p:cNvPr id="5" name="Picture 4">
+            <a:extLst>
+              <a:ext uri="{FF2B5EF4-FFF2-40B4-BE49-F238E27FC236}">
+                <a16:creationId xmlns:a16="http://schemas.microsoft.com/office/drawing/2014/main" id="{8F2874E6-E70B-2244-989F-6FB78C626103}"/>
+              </a:ext>
+            </a:extLst>
+          </p:cNvPr>
+          <p:cNvPicPr>
+            <a:picLocks noChangeAspect="1"/>
+          </p:cNvPicPr>
+          <p:nvPr/>
+        </p:nvPicPr>
+        <p:blipFill>
+          <a:blip r:embed="rId2"/>
+          <a:stretch>
+            <a:fillRect/>
+          </a:stretch>
+        </p:blipFill>
+        <p:spPr>
+          <a:xfrm>
+            <a:off x="3950455" y="16255785"/>
+            <a:ext cx="5842000" cy="4381500"/>
+          </a:xfrm>
+          <a:prstGeom prst="rect">
+            <a:avLst/>
+          </a:prstGeom>
+        </p:spPr>
+      </p:pic>
+      <p:pic>
+        <p:nvPicPr>
+          <p:cNvPr id="6" name="Picture 5">
+            <a:extLst>
+              <a:ext uri="{FF2B5EF4-FFF2-40B4-BE49-F238E27FC236}">
+                <a16:creationId xmlns:a16="http://schemas.microsoft.com/office/drawing/2014/main" id="{AD82D706-0774-5F43-A250-8055DD3E6B29}"/>
+              </a:ext>
+            </a:extLst>
+          </p:cNvPr>
+          <p:cNvPicPr>
+            <a:picLocks noChangeAspect="1"/>
+          </p:cNvPicPr>
+          <p:nvPr/>
+        </p:nvPicPr>
+        <p:blipFill>
+          <a:blip r:embed="rId3"/>
+          <a:stretch>
+            <a:fillRect/>
+          </a:stretch>
+        </p:blipFill>
+        <p:spPr>
+          <a:xfrm>
+            <a:off x="3950455" y="12533100"/>
+            <a:ext cx="5842000" cy="4381500"/>
+          </a:xfrm>
+          <a:prstGeom prst="rect">
+            <a:avLst/>
+          </a:prstGeom>
+        </p:spPr>
+      </p:pic>
+      <p:pic>
+        <p:nvPicPr>
+          <p:cNvPr id="7" name="Picture 6">
+            <a:extLst>
+              <a:ext uri="{FF2B5EF4-FFF2-40B4-BE49-F238E27FC236}">
+                <a16:creationId xmlns:a16="http://schemas.microsoft.com/office/drawing/2014/main" id="{4F579F7B-0A05-3849-BBC0-89C69B2AD438}"/>
+              </a:ext>
+            </a:extLst>
+          </p:cNvPr>
+          <p:cNvPicPr>
+            <a:picLocks noChangeAspect="1"/>
+          </p:cNvPicPr>
+          <p:nvPr/>
+        </p:nvPicPr>
+        <p:blipFill>
+          <a:blip r:embed="rId4"/>
+          <a:stretch>
+            <a:fillRect/>
+          </a:stretch>
+        </p:blipFill>
+        <p:spPr>
+          <a:xfrm>
+            <a:off x="3950455" y="8810415"/>
+            <a:ext cx="5842000" cy="4381500"/>
+          </a:xfrm>
+          <a:prstGeom prst="rect">
+            <a:avLst/>
+          </a:prstGeom>
+        </p:spPr>
+      </p:pic>
+      <p:pic>
+        <p:nvPicPr>
+          <p:cNvPr id="8" name="Picture 7">
+            <a:extLst>
+              <a:ext uri="{FF2B5EF4-FFF2-40B4-BE49-F238E27FC236}">
+                <a16:creationId xmlns:a16="http://schemas.microsoft.com/office/drawing/2014/main" id="{F1BE7D2D-E1C1-B44F-8C83-13BA4E9A84C8}"/>
+              </a:ext>
+            </a:extLst>
+          </p:cNvPr>
+          <p:cNvPicPr>
+            <a:picLocks noChangeAspect="1"/>
+          </p:cNvPicPr>
+          <p:nvPr/>
+        </p:nvPicPr>
+        <p:blipFill>
+          <a:blip r:embed="rId5"/>
+          <a:stretch>
+            <a:fillRect/>
+          </a:stretch>
+        </p:blipFill>
+        <p:spPr>
+          <a:xfrm>
+            <a:off x="9259749" y="16255785"/>
+            <a:ext cx="5842000" cy="4381500"/>
+          </a:xfrm>
+          <a:prstGeom prst="rect">
+            <a:avLst/>
+          </a:prstGeom>
+        </p:spPr>
+      </p:pic>
+      <p:pic>
+        <p:nvPicPr>
+          <p:cNvPr id="9" name="Picture 8">
+            <a:extLst>
+              <a:ext uri="{FF2B5EF4-FFF2-40B4-BE49-F238E27FC236}">
+                <a16:creationId xmlns:a16="http://schemas.microsoft.com/office/drawing/2014/main" id="{B3F9DD5C-E5F0-244D-ABDE-D7AC82A755E5}"/>
+              </a:ext>
+            </a:extLst>
+          </p:cNvPr>
+          <p:cNvPicPr>
+            <a:picLocks noChangeAspect="1"/>
+          </p:cNvPicPr>
+          <p:nvPr/>
+        </p:nvPicPr>
+        <p:blipFill>
+          <a:blip r:embed="rId6"/>
+          <a:stretch>
+            <a:fillRect/>
+          </a:stretch>
+        </p:blipFill>
+        <p:spPr>
+          <a:xfrm>
+            <a:off x="9259749" y="12533100"/>
+            <a:ext cx="5842000" cy="4381500"/>
+          </a:xfrm>
+          <a:prstGeom prst="rect">
+            <a:avLst/>
+          </a:prstGeom>
+        </p:spPr>
+      </p:pic>
+      <p:pic>
+        <p:nvPicPr>
+          <p:cNvPr id="10" name="Picture 9">
+            <a:extLst>
+              <a:ext uri="{FF2B5EF4-FFF2-40B4-BE49-F238E27FC236}">
+                <a16:creationId xmlns:a16="http://schemas.microsoft.com/office/drawing/2014/main" id="{36D69DA1-5FC2-C04E-9070-2913C391ADC3}"/>
+              </a:ext>
+            </a:extLst>
+          </p:cNvPr>
+          <p:cNvPicPr>
+            <a:picLocks noChangeAspect="1"/>
+          </p:cNvPicPr>
+          <p:nvPr/>
+        </p:nvPicPr>
+        <p:blipFill>
+          <a:blip r:embed="rId7"/>
+          <a:stretch>
+            <a:fillRect/>
+          </a:stretch>
+        </p:blipFill>
+        <p:spPr>
+          <a:xfrm>
+            <a:off x="9259749" y="8810415"/>
+            <a:ext cx="5842000" cy="4381500"/>
+          </a:xfrm>
+          <a:prstGeom prst="rect">
+            <a:avLst/>
+          </a:prstGeom>
+        </p:spPr>
+      </p:pic>
+      <p:sp>
+        <p:nvSpPr>
+          <p:cNvPr id="11" name="TextBox 10">
+            <a:extLst>
+              <a:ext uri="{FF2B5EF4-FFF2-40B4-BE49-F238E27FC236}">
+                <a16:creationId xmlns:a16="http://schemas.microsoft.com/office/drawing/2014/main" id="{D4EBAA23-91CD-DB4F-B820-6AE1A144C3E1}"/>
+              </a:ext>
+            </a:extLst>
+          </p:cNvPr>
+          <p:cNvSpPr txBox="1"/>
+          <p:nvPr/>
+        </p:nvSpPr>
+        <p:spPr>
+          <a:xfrm>
+            <a:off x="3930339" y="8833158"/>
+            <a:ext cx="412292" cy="584775"/>
+          </a:xfrm>
+          <a:prstGeom prst="rect">
+            <a:avLst/>
+          </a:prstGeom>
+          <a:noFill/>
+        </p:spPr>
+        <p:txBody>
+          <a:bodyPr wrap="none" rtlCol="0">
+            <a:spAutoFit/>
+          </a:bodyPr>
+          <a:lstStyle/>
+          <a:p>
+            <a:r>
+              <a:rPr lang="en-US" sz="3200" dirty="0">
+                <a:latin typeface="Arial" panose="020B0604020202020204" pitchFamily="34" charset="0"/>
+                <a:cs typeface="Arial" panose="020B0604020202020204" pitchFamily="34" charset="0"/>
+              </a:rPr>
+              <a:t>a</a:t>
+            </a:r>
+          </a:p>
+        </p:txBody>
+      </p:sp>
+      <p:sp>
+        <p:nvSpPr>
+          <p:cNvPr id="12" name="TextBox 11">
+            <a:extLst>
+              <a:ext uri="{FF2B5EF4-FFF2-40B4-BE49-F238E27FC236}">
+                <a16:creationId xmlns:a16="http://schemas.microsoft.com/office/drawing/2014/main" id="{5C31DC7D-8C45-3342-A67F-F55D67F57E32}"/>
+              </a:ext>
+            </a:extLst>
+          </p:cNvPr>
+          <p:cNvSpPr txBox="1"/>
+          <p:nvPr/>
+        </p:nvSpPr>
+        <p:spPr>
+          <a:xfrm>
+            <a:off x="9343484" y="8833158"/>
+            <a:ext cx="412292" cy="584775"/>
+          </a:xfrm>
+          <a:prstGeom prst="rect">
+            <a:avLst/>
+          </a:prstGeom>
+          <a:noFill/>
+        </p:spPr>
+        <p:txBody>
+          <a:bodyPr wrap="none" rtlCol="0">
+            <a:spAutoFit/>
+          </a:bodyPr>
+          <a:lstStyle/>
+          <a:p>
+            <a:r>
+              <a:rPr lang="en-US" sz="3200" dirty="0">
+                <a:latin typeface="Arial" panose="020B0604020202020204" pitchFamily="34" charset="0"/>
+                <a:cs typeface="Arial" panose="020B0604020202020204" pitchFamily="34" charset="0"/>
+              </a:rPr>
+              <a:t>b</a:t>
+            </a:r>
+          </a:p>
+        </p:txBody>
+      </p:sp>
+      <p:sp>
+        <p:nvSpPr>
+          <p:cNvPr id="13" name="TextBox 12">
+            <a:extLst>
+              <a:ext uri="{FF2B5EF4-FFF2-40B4-BE49-F238E27FC236}">
+                <a16:creationId xmlns:a16="http://schemas.microsoft.com/office/drawing/2014/main" id="{0613C9E7-748D-0B44-9165-B6A6FD0F50DB}"/>
+              </a:ext>
+            </a:extLst>
+          </p:cNvPr>
+          <p:cNvSpPr txBox="1"/>
+          <p:nvPr/>
+        </p:nvSpPr>
+        <p:spPr>
+          <a:xfrm>
+            <a:off x="3930339" y="12634170"/>
+            <a:ext cx="389850" cy="584775"/>
+          </a:xfrm>
+          <a:prstGeom prst="rect">
+            <a:avLst/>
+          </a:prstGeom>
+          <a:noFill/>
+        </p:spPr>
+        <p:txBody>
+          <a:bodyPr wrap="none" rtlCol="0">
+            <a:spAutoFit/>
+          </a:bodyPr>
+          <a:lstStyle/>
+          <a:p>
+            <a:r>
+              <a:rPr lang="en-US" sz="3200" dirty="0">
+                <a:latin typeface="Arial" panose="020B0604020202020204" pitchFamily="34" charset="0"/>
+                <a:cs typeface="Arial" panose="020B0604020202020204" pitchFamily="34" charset="0"/>
+              </a:rPr>
+              <a:t>c</a:t>
+            </a:r>
+          </a:p>
+        </p:txBody>
+      </p:sp>
+      <p:sp>
+        <p:nvSpPr>
+          <p:cNvPr id="14" name="TextBox 13">
+            <a:extLst>
+              <a:ext uri="{FF2B5EF4-FFF2-40B4-BE49-F238E27FC236}">
+                <a16:creationId xmlns:a16="http://schemas.microsoft.com/office/drawing/2014/main" id="{0BF17FF9-90F4-4D4E-85D3-E521A63CE06D}"/>
+              </a:ext>
+            </a:extLst>
+          </p:cNvPr>
+          <p:cNvSpPr txBox="1"/>
+          <p:nvPr/>
+        </p:nvSpPr>
+        <p:spPr>
+          <a:xfrm>
+            <a:off x="3930339" y="16435182"/>
+            <a:ext cx="412292" cy="584775"/>
+          </a:xfrm>
+          <a:prstGeom prst="rect">
+            <a:avLst/>
+          </a:prstGeom>
+          <a:noFill/>
+        </p:spPr>
+        <p:txBody>
+          <a:bodyPr wrap="none" rtlCol="0">
+            <a:spAutoFit/>
+          </a:bodyPr>
+          <a:lstStyle/>
+          <a:p>
+            <a:r>
+              <a:rPr lang="en-US" sz="3200" dirty="0">
+                <a:latin typeface="Arial" panose="020B0604020202020204" pitchFamily="34" charset="0"/>
+                <a:cs typeface="Arial" panose="020B0604020202020204" pitchFamily="34" charset="0"/>
+              </a:rPr>
+              <a:t>e</a:t>
+            </a:r>
+          </a:p>
+        </p:txBody>
+      </p:sp>
+      <p:sp>
+        <p:nvSpPr>
+          <p:cNvPr id="15" name="TextBox 14">
+            <a:extLst>
+              <a:ext uri="{FF2B5EF4-FFF2-40B4-BE49-F238E27FC236}">
+                <a16:creationId xmlns:a16="http://schemas.microsoft.com/office/drawing/2014/main" id="{D4B14FA1-35A2-7542-9609-FF88D84A9FA1}"/>
+              </a:ext>
+            </a:extLst>
+          </p:cNvPr>
+          <p:cNvSpPr txBox="1"/>
+          <p:nvPr/>
+        </p:nvSpPr>
+        <p:spPr>
+          <a:xfrm>
+            <a:off x="9343484" y="12634170"/>
+            <a:ext cx="412292" cy="584775"/>
+          </a:xfrm>
+          <a:prstGeom prst="rect">
+            <a:avLst/>
+          </a:prstGeom>
+          <a:noFill/>
+        </p:spPr>
+        <p:txBody>
+          <a:bodyPr wrap="none" rtlCol="0">
+            <a:spAutoFit/>
+          </a:bodyPr>
+          <a:lstStyle/>
+          <a:p>
+            <a:r>
+              <a:rPr lang="en-US" sz="3200" dirty="0">
+                <a:latin typeface="Arial" panose="020B0604020202020204" pitchFamily="34" charset="0"/>
+                <a:cs typeface="Arial" panose="020B0604020202020204" pitchFamily="34" charset="0"/>
+              </a:rPr>
+              <a:t>d</a:t>
+            </a:r>
+          </a:p>
+        </p:txBody>
+      </p:sp>
+      <p:sp>
+        <p:nvSpPr>
+          <p:cNvPr id="16" name="TextBox 15">
+            <a:extLst>
+              <a:ext uri="{FF2B5EF4-FFF2-40B4-BE49-F238E27FC236}">
+                <a16:creationId xmlns:a16="http://schemas.microsoft.com/office/drawing/2014/main" id="{8FB20E95-CAB1-CA44-A624-8CF8C50327AF}"/>
+              </a:ext>
+            </a:extLst>
+          </p:cNvPr>
+          <p:cNvSpPr txBox="1"/>
+          <p:nvPr/>
+        </p:nvSpPr>
+        <p:spPr>
+          <a:xfrm>
+            <a:off x="9343484" y="16435183"/>
+            <a:ext cx="298480" cy="584775"/>
+          </a:xfrm>
+          <a:prstGeom prst="rect">
+            <a:avLst/>
+          </a:prstGeom>
+          <a:noFill/>
+        </p:spPr>
+        <p:txBody>
+          <a:bodyPr wrap="none" rtlCol="0">
+            <a:spAutoFit/>
+          </a:bodyPr>
+          <a:lstStyle/>
+          <a:p>
+            <a:r>
+              <a:rPr lang="en-US" sz="3200" dirty="0">
+                <a:latin typeface="Arial" panose="020B0604020202020204" pitchFamily="34" charset="0"/>
+                <a:cs typeface="Arial" panose="020B0604020202020204" pitchFamily="34" charset="0"/>
+              </a:rPr>
+              <a:t>f</a:t>
+            </a:r>
+          </a:p>
+        </p:txBody>
+      </p:sp>
+      <p:sp>
+        <p:nvSpPr>
+          <p:cNvPr id="17" name="TextBox 16">
+            <a:extLst>
+              <a:ext uri="{FF2B5EF4-FFF2-40B4-BE49-F238E27FC236}">
+                <a16:creationId xmlns:a16="http://schemas.microsoft.com/office/drawing/2014/main" id="{F404E59C-6BEA-BC47-97B3-857C5D7B07D4}"/>
+              </a:ext>
+            </a:extLst>
+          </p:cNvPr>
+          <p:cNvSpPr txBox="1"/>
+          <p:nvPr/>
+        </p:nvSpPr>
+        <p:spPr>
+          <a:xfrm>
+            <a:off x="6121011" y="8239960"/>
+            <a:ext cx="1460656" cy="584775"/>
+          </a:xfrm>
+          <a:prstGeom prst="rect">
+            <a:avLst/>
+          </a:prstGeom>
+          <a:noFill/>
+        </p:spPr>
+        <p:txBody>
+          <a:bodyPr wrap="none" rtlCol="0">
+            <a:spAutoFit/>
+          </a:bodyPr>
+          <a:lstStyle/>
+          <a:p>
+            <a:r>
+              <a:rPr lang="en-US" sz="3200" dirty="0">
+                <a:latin typeface="Arial" panose="020B0604020202020204" pitchFamily="34" charset="0"/>
+                <a:cs typeface="Arial" panose="020B0604020202020204" pitchFamily="34" charset="0"/>
+              </a:rPr>
+              <a:t>MNIST</a:t>
+            </a:r>
+          </a:p>
+        </p:txBody>
+      </p:sp>
+      <p:sp>
+        <p:nvSpPr>
+          <p:cNvPr id="18" name="TextBox 17">
+            <a:extLst>
+              <a:ext uri="{FF2B5EF4-FFF2-40B4-BE49-F238E27FC236}">
+                <a16:creationId xmlns:a16="http://schemas.microsoft.com/office/drawing/2014/main" id="{51F24774-4345-8F44-A775-AFEDB0CE1267}"/>
+              </a:ext>
+            </a:extLst>
+          </p:cNvPr>
+          <p:cNvSpPr txBox="1"/>
+          <p:nvPr/>
+        </p:nvSpPr>
+        <p:spPr>
+          <a:xfrm>
+            <a:off x="11538469" y="8239959"/>
+            <a:ext cx="1029449" cy="584775"/>
+          </a:xfrm>
+          <a:prstGeom prst="rect">
+            <a:avLst/>
+          </a:prstGeom>
+          <a:noFill/>
+        </p:spPr>
+        <p:txBody>
+          <a:bodyPr wrap="none" rtlCol="0">
+            <a:spAutoFit/>
+          </a:bodyPr>
+          <a:lstStyle/>
+          <a:p>
+            <a:r>
+              <a:rPr lang="en-US" sz="3200" dirty="0">
+                <a:latin typeface="Arial" panose="020B0604020202020204" pitchFamily="34" charset="0"/>
+                <a:cs typeface="Arial" panose="020B0604020202020204" pitchFamily="34" charset="0"/>
+              </a:rPr>
+              <a:t>ESR</a:t>
+            </a:r>
+          </a:p>
+        </p:txBody>
+      </p:sp>
+      <p:sp>
+        <p:nvSpPr>
+          <p:cNvPr id="19" name="TextBox 18">
+            <a:extLst>
+              <a:ext uri="{FF2B5EF4-FFF2-40B4-BE49-F238E27FC236}">
+                <a16:creationId xmlns:a16="http://schemas.microsoft.com/office/drawing/2014/main" id="{CFC9CC87-78E0-D84F-9699-8628C79AF6FE}"/>
+              </a:ext>
+            </a:extLst>
+          </p:cNvPr>
+          <p:cNvSpPr txBox="1"/>
+          <p:nvPr/>
+        </p:nvSpPr>
+        <p:spPr>
+          <a:xfrm>
+            <a:off x="2292258" y="10708777"/>
+            <a:ext cx="1733167" cy="584775"/>
+          </a:xfrm>
+          <a:prstGeom prst="rect">
+            <a:avLst/>
+          </a:prstGeom>
+          <a:noFill/>
+        </p:spPr>
+        <p:txBody>
+          <a:bodyPr wrap="none" rtlCol="0">
+            <a:spAutoFit/>
+          </a:bodyPr>
+          <a:lstStyle/>
+          <a:p>
+            <a:r>
+              <a:rPr lang="en-US" sz="3200" dirty="0">
+                <a:latin typeface="Arial" panose="020B0604020202020204" pitchFamily="34" charset="0"/>
+                <a:cs typeface="Arial" panose="020B0604020202020204" pitchFamily="34" charset="0"/>
+              </a:rPr>
+              <a:t>boosting</a:t>
+            </a:r>
+          </a:p>
+        </p:txBody>
+      </p:sp>
+      <p:sp>
+        <p:nvSpPr>
+          <p:cNvPr id="20" name="TextBox 19">
+            <a:extLst>
+              <a:ext uri="{FF2B5EF4-FFF2-40B4-BE49-F238E27FC236}">
+                <a16:creationId xmlns:a16="http://schemas.microsoft.com/office/drawing/2014/main" id="{42B462D5-44EE-F348-A430-5261AB35156C}"/>
+              </a:ext>
+            </a:extLst>
+          </p:cNvPr>
+          <p:cNvSpPr txBox="1"/>
+          <p:nvPr/>
+        </p:nvSpPr>
+        <p:spPr>
+          <a:xfrm>
+            <a:off x="2632896" y="14139075"/>
+            <a:ext cx="1051891" cy="584775"/>
+          </a:xfrm>
+          <a:prstGeom prst="rect">
+            <a:avLst/>
+          </a:prstGeom>
+          <a:noFill/>
+        </p:spPr>
+        <p:txBody>
+          <a:bodyPr wrap="none" rtlCol="0">
+            <a:spAutoFit/>
+          </a:bodyPr>
+          <a:lstStyle/>
+          <a:p>
+            <a:r>
+              <a:rPr lang="en-US" sz="3200" dirty="0">
+                <a:latin typeface="Arial" panose="020B0604020202020204" pitchFamily="34" charset="0"/>
+                <a:cs typeface="Arial" panose="020B0604020202020204" pitchFamily="34" charset="0"/>
+              </a:rPr>
+              <a:t>ANN</a:t>
+            </a:r>
+          </a:p>
+        </p:txBody>
+      </p:sp>
+      <p:sp>
+        <p:nvSpPr>
+          <p:cNvPr id="21" name="TextBox 20">
+            <a:extLst>
+              <a:ext uri="{FF2B5EF4-FFF2-40B4-BE49-F238E27FC236}">
+                <a16:creationId xmlns:a16="http://schemas.microsoft.com/office/drawing/2014/main" id="{5D4EB14B-4788-1D45-AD87-BF7A71DB3066}"/>
+              </a:ext>
+            </a:extLst>
+          </p:cNvPr>
+          <p:cNvSpPr txBox="1"/>
+          <p:nvPr/>
+        </p:nvSpPr>
+        <p:spPr>
+          <a:xfrm>
+            <a:off x="2621675" y="18158367"/>
+            <a:ext cx="1074333" cy="584775"/>
+          </a:xfrm>
+          <a:prstGeom prst="rect">
+            <a:avLst/>
+          </a:prstGeom>
+          <a:noFill/>
+        </p:spPr>
+        <p:txBody>
+          <a:bodyPr wrap="none" rtlCol="0">
+            <a:spAutoFit/>
+          </a:bodyPr>
+          <a:lstStyle/>
+          <a:p>
+            <a:r>
+              <a:rPr lang="en-US" sz="3200" dirty="0">
+                <a:latin typeface="Arial" panose="020B0604020202020204" pitchFamily="34" charset="0"/>
+                <a:cs typeface="Arial" panose="020B0604020202020204" pitchFamily="34" charset="0"/>
+              </a:rPr>
+              <a:t>SVM</a:t>
+            </a:r>
+          </a:p>
+        </p:txBody>
+      </p:sp>
+      <p:grpSp>
+        <p:nvGrpSpPr>
+          <p:cNvPr id="47" name="Group 46">
+            <a:extLst>
+              <a:ext uri="{FF2B5EF4-FFF2-40B4-BE49-F238E27FC236}">
+                <a16:creationId xmlns:a16="http://schemas.microsoft.com/office/drawing/2014/main" id="{F3174F8B-5468-C245-9B68-7B1AFA2104DE}"/>
+              </a:ext>
+            </a:extLst>
+          </p:cNvPr>
+          <p:cNvGrpSpPr/>
+          <p:nvPr/>
+        </p:nvGrpSpPr>
+        <p:grpSpPr>
+          <a:xfrm>
+            <a:off x="14938634" y="8294285"/>
+            <a:ext cx="12679320" cy="12343000"/>
+            <a:chOff x="14938634" y="8294285"/>
+            <a:chExt cx="12679320" cy="12343000"/>
+          </a:xfrm>
+        </p:grpSpPr>
+        <p:pic>
+          <p:nvPicPr>
+            <p:cNvPr id="23" name="Picture 22">
+              <a:extLst>
+                <a:ext uri="{FF2B5EF4-FFF2-40B4-BE49-F238E27FC236}">
+                  <a16:creationId xmlns:a16="http://schemas.microsoft.com/office/drawing/2014/main" id="{D384719D-63D8-E84D-ABA0-B0F1ABE277F9}"/>
+                </a:ext>
+              </a:extLst>
+            </p:cNvPr>
+            <p:cNvPicPr>
+              <a:picLocks noChangeAspect="1"/>
+            </p:cNvPicPr>
+            <p:nvPr/>
+          </p:nvPicPr>
+          <p:blipFill>
+            <a:blip r:embed="rId8"/>
+            <a:stretch>
+              <a:fillRect/>
+            </a:stretch>
+          </p:blipFill>
+          <p:spPr>
+            <a:xfrm>
+              <a:off x="16429981" y="16255785"/>
+              <a:ext cx="5842000" cy="4381500"/>
+            </a:xfrm>
+            <a:prstGeom prst="rect">
+              <a:avLst/>
+            </a:prstGeom>
+          </p:spPr>
+        </p:pic>
+        <p:pic>
+          <p:nvPicPr>
+            <p:cNvPr id="25" name="Picture 24">
+              <a:extLst>
+                <a:ext uri="{FF2B5EF4-FFF2-40B4-BE49-F238E27FC236}">
+                  <a16:creationId xmlns:a16="http://schemas.microsoft.com/office/drawing/2014/main" id="{EEAC4FE8-162A-034C-9842-EA7062EBCAD9}"/>
+                </a:ext>
+              </a:extLst>
+            </p:cNvPr>
+            <p:cNvPicPr>
+              <a:picLocks noChangeAspect="1"/>
+            </p:cNvPicPr>
+            <p:nvPr/>
+          </p:nvPicPr>
+          <p:blipFill>
+            <a:blip r:embed="rId9"/>
+            <a:stretch>
+              <a:fillRect/>
+            </a:stretch>
+          </p:blipFill>
+          <p:spPr>
+            <a:xfrm>
+              <a:off x="16429981" y="12546615"/>
+              <a:ext cx="5842000" cy="4381500"/>
+            </a:xfrm>
+            <a:prstGeom prst="rect">
+              <a:avLst/>
+            </a:prstGeom>
+          </p:spPr>
+        </p:pic>
+        <p:pic>
+          <p:nvPicPr>
+            <p:cNvPr id="27" name="Picture 26">
+              <a:extLst>
+                <a:ext uri="{FF2B5EF4-FFF2-40B4-BE49-F238E27FC236}">
+                  <a16:creationId xmlns:a16="http://schemas.microsoft.com/office/drawing/2014/main" id="{56A3E41B-516B-B14C-B03E-D2EFE2AEB451}"/>
+                </a:ext>
+              </a:extLst>
+            </p:cNvPr>
+            <p:cNvPicPr>
+              <a:picLocks noChangeAspect="1"/>
+            </p:cNvPicPr>
+            <p:nvPr/>
+          </p:nvPicPr>
+          <p:blipFill>
+            <a:blip r:embed="rId10"/>
+            <a:stretch>
+              <a:fillRect/>
+            </a:stretch>
+          </p:blipFill>
+          <p:spPr>
+            <a:xfrm>
+              <a:off x="16429981" y="8837445"/>
+              <a:ext cx="5842000" cy="4381500"/>
+            </a:xfrm>
+            <a:prstGeom prst="rect">
+              <a:avLst/>
+            </a:prstGeom>
+          </p:spPr>
+        </p:pic>
+        <p:pic>
+          <p:nvPicPr>
+            <p:cNvPr id="31" name="Picture 30">
+              <a:extLst>
+                <a:ext uri="{FF2B5EF4-FFF2-40B4-BE49-F238E27FC236}">
+                  <a16:creationId xmlns:a16="http://schemas.microsoft.com/office/drawing/2014/main" id="{84FB7C80-D2E3-EC4B-8E96-BD6B352E48CA}"/>
+                </a:ext>
+              </a:extLst>
+            </p:cNvPr>
+            <p:cNvPicPr>
+              <a:picLocks noChangeAspect="1"/>
+            </p:cNvPicPr>
+            <p:nvPr/>
+          </p:nvPicPr>
+          <p:blipFill>
+            <a:blip r:embed="rId11"/>
+            <a:stretch>
+              <a:fillRect/>
+            </a:stretch>
+          </p:blipFill>
+          <p:spPr>
+            <a:xfrm>
+              <a:off x="21775954" y="16255785"/>
+              <a:ext cx="5842000" cy="4381500"/>
+            </a:xfrm>
+            <a:prstGeom prst="rect">
+              <a:avLst/>
+            </a:prstGeom>
+          </p:spPr>
+        </p:pic>
+        <p:pic>
+          <p:nvPicPr>
+            <p:cNvPr id="29" name="Picture 28">
+              <a:extLst>
+                <a:ext uri="{FF2B5EF4-FFF2-40B4-BE49-F238E27FC236}">
+                  <a16:creationId xmlns:a16="http://schemas.microsoft.com/office/drawing/2014/main" id="{07D056FC-0F12-CD40-9715-78EAAE7E50DA}"/>
+                </a:ext>
+              </a:extLst>
+            </p:cNvPr>
+            <p:cNvPicPr>
+              <a:picLocks noChangeAspect="1"/>
+            </p:cNvPicPr>
+            <p:nvPr/>
+          </p:nvPicPr>
+          <p:blipFill>
+            <a:blip r:embed="rId12"/>
+            <a:stretch>
+              <a:fillRect/>
+            </a:stretch>
+          </p:blipFill>
+          <p:spPr>
+            <a:xfrm>
+              <a:off x="21775954" y="12546615"/>
+              <a:ext cx="5842000" cy="4381500"/>
+            </a:xfrm>
+            <a:prstGeom prst="rect">
+              <a:avLst/>
+            </a:prstGeom>
+          </p:spPr>
+        </p:pic>
+        <p:pic>
+          <p:nvPicPr>
+            <p:cNvPr id="35" name="Picture 34">
+              <a:extLst>
+                <a:ext uri="{FF2B5EF4-FFF2-40B4-BE49-F238E27FC236}">
+                  <a16:creationId xmlns:a16="http://schemas.microsoft.com/office/drawing/2014/main" id="{0B7AD01F-EA78-FC4C-B696-EB3ECEDC3A5C}"/>
+                </a:ext>
+              </a:extLst>
+            </p:cNvPr>
+            <p:cNvPicPr>
+              <a:picLocks noChangeAspect="1"/>
+            </p:cNvPicPr>
+            <p:nvPr/>
+          </p:nvPicPr>
+          <p:blipFill>
+            <a:blip r:embed="rId13"/>
+            <a:stretch>
+              <a:fillRect/>
+            </a:stretch>
+          </p:blipFill>
+          <p:spPr>
+            <a:xfrm>
+              <a:off x="21775954" y="8837445"/>
+              <a:ext cx="5842000" cy="4381500"/>
+            </a:xfrm>
+            <a:prstGeom prst="rect">
+              <a:avLst/>
+            </a:prstGeom>
+          </p:spPr>
+        </p:pic>
+        <p:sp>
+          <p:nvSpPr>
+            <p:cNvPr id="36" name="TextBox 35">
+              <a:extLst>
+                <a:ext uri="{FF2B5EF4-FFF2-40B4-BE49-F238E27FC236}">
+                  <a16:creationId xmlns:a16="http://schemas.microsoft.com/office/drawing/2014/main" id="{CE4A79B7-24BE-CC4C-B13F-E5AAED1E4EDB}"/>
+                </a:ext>
+              </a:extLst>
+            </p:cNvPr>
+            <p:cNvSpPr txBox="1"/>
+            <p:nvPr/>
+          </p:nvSpPr>
+          <p:spPr>
+            <a:xfrm>
+              <a:off x="16576715" y="8887484"/>
+              <a:ext cx="412292" cy="584775"/>
+            </a:xfrm>
+            <a:prstGeom prst="rect">
+              <a:avLst/>
+            </a:prstGeom>
+            <a:noFill/>
+          </p:spPr>
+          <p:txBody>
+            <a:bodyPr wrap="none" rtlCol="0">
+              <a:spAutoFit/>
+            </a:bodyPr>
+            <a:lstStyle/>
+            <a:p>
+              <a:r>
+                <a:rPr lang="en-US" sz="3200" dirty="0">
+                  <a:latin typeface="Arial" panose="020B0604020202020204" pitchFamily="34" charset="0"/>
+                  <a:cs typeface="Arial" panose="020B0604020202020204" pitchFamily="34" charset="0"/>
+                </a:rPr>
+                <a:t>a</a:t>
+              </a:r>
+            </a:p>
+          </p:txBody>
+        </p:sp>
+        <p:sp>
+          <p:nvSpPr>
+            <p:cNvPr id="37" name="TextBox 36">
+              <a:extLst>
+                <a:ext uri="{FF2B5EF4-FFF2-40B4-BE49-F238E27FC236}">
+                  <a16:creationId xmlns:a16="http://schemas.microsoft.com/office/drawing/2014/main" id="{C8DA095B-C14F-4547-A272-6847877D8C97}"/>
+                </a:ext>
+              </a:extLst>
+            </p:cNvPr>
+            <p:cNvSpPr txBox="1"/>
+            <p:nvPr/>
+          </p:nvSpPr>
+          <p:spPr>
+            <a:xfrm>
+              <a:off x="21989860" y="8887484"/>
+              <a:ext cx="412292" cy="584775"/>
+            </a:xfrm>
+            <a:prstGeom prst="rect">
+              <a:avLst/>
+            </a:prstGeom>
+            <a:noFill/>
+          </p:spPr>
+          <p:txBody>
+            <a:bodyPr wrap="none" rtlCol="0">
+              <a:spAutoFit/>
+            </a:bodyPr>
+            <a:lstStyle/>
+            <a:p>
+              <a:r>
+                <a:rPr lang="en-US" sz="3200" dirty="0">
+                  <a:latin typeface="Arial" panose="020B0604020202020204" pitchFamily="34" charset="0"/>
+                  <a:cs typeface="Arial" panose="020B0604020202020204" pitchFamily="34" charset="0"/>
+                </a:rPr>
+                <a:t>b</a:t>
+              </a:r>
+            </a:p>
+          </p:txBody>
+        </p:sp>
+        <p:sp>
+          <p:nvSpPr>
+            <p:cNvPr id="38" name="TextBox 37">
+              <a:extLst>
+                <a:ext uri="{FF2B5EF4-FFF2-40B4-BE49-F238E27FC236}">
+                  <a16:creationId xmlns:a16="http://schemas.microsoft.com/office/drawing/2014/main" id="{536CB7CA-8F4B-6B49-BB6C-605527BC62CF}"/>
+                </a:ext>
+              </a:extLst>
+            </p:cNvPr>
+            <p:cNvSpPr txBox="1"/>
+            <p:nvPr/>
+          </p:nvSpPr>
+          <p:spPr>
+            <a:xfrm>
+              <a:off x="16576715" y="12688496"/>
+              <a:ext cx="389850" cy="584775"/>
+            </a:xfrm>
+            <a:prstGeom prst="rect">
+              <a:avLst/>
+            </a:prstGeom>
+            <a:noFill/>
+          </p:spPr>
+          <p:txBody>
+            <a:bodyPr wrap="none" rtlCol="0">
+              <a:spAutoFit/>
+            </a:bodyPr>
+            <a:lstStyle/>
+            <a:p>
+              <a:r>
+                <a:rPr lang="en-US" sz="3200" dirty="0">
+                  <a:latin typeface="Arial" panose="020B0604020202020204" pitchFamily="34" charset="0"/>
+                  <a:cs typeface="Arial" panose="020B0604020202020204" pitchFamily="34" charset="0"/>
+                </a:rPr>
+                <a:t>c</a:t>
+              </a:r>
+            </a:p>
+          </p:txBody>
+        </p:sp>
+        <p:sp>
+          <p:nvSpPr>
+            <p:cNvPr id="39" name="TextBox 38">
+              <a:extLst>
+                <a:ext uri="{FF2B5EF4-FFF2-40B4-BE49-F238E27FC236}">
+                  <a16:creationId xmlns:a16="http://schemas.microsoft.com/office/drawing/2014/main" id="{FD015FA9-EAB0-F943-A728-1C9F61878A27}"/>
+                </a:ext>
+              </a:extLst>
+            </p:cNvPr>
+            <p:cNvSpPr txBox="1"/>
+            <p:nvPr/>
+          </p:nvSpPr>
+          <p:spPr>
+            <a:xfrm>
+              <a:off x="16576715" y="16489508"/>
+              <a:ext cx="412292" cy="584775"/>
+            </a:xfrm>
+            <a:prstGeom prst="rect">
+              <a:avLst/>
+            </a:prstGeom>
+            <a:noFill/>
+          </p:spPr>
+          <p:txBody>
+            <a:bodyPr wrap="none" rtlCol="0">
+              <a:spAutoFit/>
+            </a:bodyPr>
+            <a:lstStyle/>
+            <a:p>
+              <a:r>
+                <a:rPr lang="en-US" sz="3200" dirty="0">
+                  <a:latin typeface="Arial" panose="020B0604020202020204" pitchFamily="34" charset="0"/>
+                  <a:cs typeface="Arial" panose="020B0604020202020204" pitchFamily="34" charset="0"/>
+                </a:rPr>
+                <a:t>e</a:t>
+              </a:r>
+            </a:p>
+          </p:txBody>
+        </p:sp>
+        <p:sp>
+          <p:nvSpPr>
+            <p:cNvPr id="40" name="TextBox 39">
+              <a:extLst>
+                <a:ext uri="{FF2B5EF4-FFF2-40B4-BE49-F238E27FC236}">
+                  <a16:creationId xmlns:a16="http://schemas.microsoft.com/office/drawing/2014/main" id="{533DEC69-64F8-AF4E-9E85-1012F84D8DF7}"/>
+                </a:ext>
+              </a:extLst>
+            </p:cNvPr>
+            <p:cNvSpPr txBox="1"/>
+            <p:nvPr/>
+          </p:nvSpPr>
+          <p:spPr>
+            <a:xfrm>
+              <a:off x="21989860" y="12688496"/>
+              <a:ext cx="412292" cy="584775"/>
+            </a:xfrm>
+            <a:prstGeom prst="rect">
+              <a:avLst/>
+            </a:prstGeom>
+            <a:noFill/>
+          </p:spPr>
+          <p:txBody>
+            <a:bodyPr wrap="none" rtlCol="0">
+              <a:spAutoFit/>
+            </a:bodyPr>
+            <a:lstStyle/>
+            <a:p>
+              <a:r>
+                <a:rPr lang="en-US" sz="3200" dirty="0">
+                  <a:latin typeface="Arial" panose="020B0604020202020204" pitchFamily="34" charset="0"/>
+                  <a:cs typeface="Arial" panose="020B0604020202020204" pitchFamily="34" charset="0"/>
+                </a:rPr>
+                <a:t>d</a:t>
+              </a:r>
+            </a:p>
+          </p:txBody>
+        </p:sp>
+        <p:sp>
+          <p:nvSpPr>
+            <p:cNvPr id="41" name="TextBox 40">
+              <a:extLst>
+                <a:ext uri="{FF2B5EF4-FFF2-40B4-BE49-F238E27FC236}">
+                  <a16:creationId xmlns:a16="http://schemas.microsoft.com/office/drawing/2014/main" id="{8B077F77-1B12-5F4B-A11E-1B24B498EF38}"/>
+                </a:ext>
+              </a:extLst>
+            </p:cNvPr>
+            <p:cNvSpPr txBox="1"/>
+            <p:nvPr/>
+          </p:nvSpPr>
+          <p:spPr>
+            <a:xfrm>
+              <a:off x="21989860" y="16489509"/>
+              <a:ext cx="298480" cy="584775"/>
+            </a:xfrm>
+            <a:prstGeom prst="rect">
+              <a:avLst/>
+            </a:prstGeom>
+            <a:noFill/>
+          </p:spPr>
+          <p:txBody>
+            <a:bodyPr wrap="none" rtlCol="0">
+              <a:spAutoFit/>
+            </a:bodyPr>
+            <a:lstStyle/>
+            <a:p>
+              <a:r>
+                <a:rPr lang="en-US" sz="3200" dirty="0">
+                  <a:latin typeface="Arial" panose="020B0604020202020204" pitchFamily="34" charset="0"/>
+                  <a:cs typeface="Arial" panose="020B0604020202020204" pitchFamily="34" charset="0"/>
+                </a:rPr>
+                <a:t>f</a:t>
+              </a:r>
+            </a:p>
+          </p:txBody>
+        </p:sp>
+        <p:sp>
+          <p:nvSpPr>
+            <p:cNvPr id="42" name="TextBox 41">
+              <a:extLst>
+                <a:ext uri="{FF2B5EF4-FFF2-40B4-BE49-F238E27FC236}">
+                  <a16:creationId xmlns:a16="http://schemas.microsoft.com/office/drawing/2014/main" id="{94A36BD8-2B4F-084E-83DA-B0B6C2084768}"/>
+                </a:ext>
+              </a:extLst>
+            </p:cNvPr>
+            <p:cNvSpPr txBox="1"/>
+            <p:nvPr/>
+          </p:nvSpPr>
+          <p:spPr>
+            <a:xfrm>
+              <a:off x="18767387" y="8294286"/>
+              <a:ext cx="1460656" cy="584775"/>
+            </a:xfrm>
+            <a:prstGeom prst="rect">
+              <a:avLst/>
+            </a:prstGeom>
+            <a:noFill/>
+          </p:spPr>
+          <p:txBody>
+            <a:bodyPr wrap="none" rtlCol="0">
+              <a:spAutoFit/>
+            </a:bodyPr>
+            <a:lstStyle/>
+            <a:p>
+              <a:r>
+                <a:rPr lang="en-US" sz="3200" dirty="0">
+                  <a:latin typeface="Arial" panose="020B0604020202020204" pitchFamily="34" charset="0"/>
+                  <a:cs typeface="Arial" panose="020B0604020202020204" pitchFamily="34" charset="0"/>
+                </a:rPr>
+                <a:t>MNIST</a:t>
+              </a:r>
+            </a:p>
+          </p:txBody>
+        </p:sp>
+        <p:sp>
+          <p:nvSpPr>
+            <p:cNvPr id="43" name="TextBox 42">
+              <a:extLst>
+                <a:ext uri="{FF2B5EF4-FFF2-40B4-BE49-F238E27FC236}">
+                  <a16:creationId xmlns:a16="http://schemas.microsoft.com/office/drawing/2014/main" id="{61281409-EF5E-074F-81F2-36B1869ACF9B}"/>
+                </a:ext>
+              </a:extLst>
+            </p:cNvPr>
+            <p:cNvSpPr txBox="1"/>
+            <p:nvPr/>
+          </p:nvSpPr>
+          <p:spPr>
+            <a:xfrm>
+              <a:off x="24184845" y="8294285"/>
+              <a:ext cx="1029449" cy="584775"/>
+            </a:xfrm>
+            <a:prstGeom prst="rect">
+              <a:avLst/>
+            </a:prstGeom>
+            <a:noFill/>
+          </p:spPr>
+          <p:txBody>
+            <a:bodyPr wrap="none" rtlCol="0">
+              <a:spAutoFit/>
+            </a:bodyPr>
+            <a:lstStyle/>
+            <a:p>
+              <a:r>
+                <a:rPr lang="en-US" sz="3200" dirty="0">
+                  <a:latin typeface="Arial" panose="020B0604020202020204" pitchFamily="34" charset="0"/>
+                  <a:cs typeface="Arial" panose="020B0604020202020204" pitchFamily="34" charset="0"/>
+                </a:rPr>
+                <a:t>ESR</a:t>
+              </a:r>
+            </a:p>
+          </p:txBody>
+        </p:sp>
+        <p:sp>
+          <p:nvSpPr>
+            <p:cNvPr id="44" name="TextBox 43">
+              <a:extLst>
+                <a:ext uri="{FF2B5EF4-FFF2-40B4-BE49-F238E27FC236}">
+                  <a16:creationId xmlns:a16="http://schemas.microsoft.com/office/drawing/2014/main" id="{B11F5661-2F81-2048-B3B1-FE2436F746ED}"/>
+                </a:ext>
+              </a:extLst>
+            </p:cNvPr>
+            <p:cNvSpPr txBox="1"/>
+            <p:nvPr/>
+          </p:nvSpPr>
+          <p:spPr>
+            <a:xfrm>
+              <a:off x="14938634" y="10763103"/>
+              <a:ext cx="1733167" cy="584775"/>
+            </a:xfrm>
+            <a:prstGeom prst="rect">
+              <a:avLst/>
+            </a:prstGeom>
+            <a:noFill/>
+          </p:spPr>
+          <p:txBody>
+            <a:bodyPr wrap="none" rtlCol="0">
+              <a:spAutoFit/>
+            </a:bodyPr>
+            <a:lstStyle/>
+            <a:p>
+              <a:r>
+                <a:rPr lang="en-US" sz="3200" dirty="0">
+                  <a:latin typeface="Arial" panose="020B0604020202020204" pitchFamily="34" charset="0"/>
+                  <a:cs typeface="Arial" panose="020B0604020202020204" pitchFamily="34" charset="0"/>
+                </a:rPr>
+                <a:t>boosting</a:t>
+              </a:r>
+            </a:p>
+          </p:txBody>
+        </p:sp>
+        <p:sp>
+          <p:nvSpPr>
+            <p:cNvPr id="45" name="TextBox 44">
+              <a:extLst>
+                <a:ext uri="{FF2B5EF4-FFF2-40B4-BE49-F238E27FC236}">
+                  <a16:creationId xmlns:a16="http://schemas.microsoft.com/office/drawing/2014/main" id="{CBAA3A35-FEE5-3148-833D-FD5B24E02F0E}"/>
+                </a:ext>
+              </a:extLst>
+            </p:cNvPr>
+            <p:cNvSpPr txBox="1"/>
+            <p:nvPr/>
+          </p:nvSpPr>
+          <p:spPr>
+            <a:xfrm>
+              <a:off x="15279272" y="14193401"/>
+              <a:ext cx="1051891" cy="584775"/>
+            </a:xfrm>
+            <a:prstGeom prst="rect">
+              <a:avLst/>
+            </a:prstGeom>
+            <a:noFill/>
+          </p:spPr>
+          <p:txBody>
+            <a:bodyPr wrap="none" rtlCol="0">
+              <a:spAutoFit/>
+            </a:bodyPr>
+            <a:lstStyle/>
+            <a:p>
+              <a:r>
+                <a:rPr lang="en-US" sz="3200" dirty="0">
+                  <a:latin typeface="Arial" panose="020B0604020202020204" pitchFamily="34" charset="0"/>
+                  <a:cs typeface="Arial" panose="020B0604020202020204" pitchFamily="34" charset="0"/>
+                </a:rPr>
+                <a:t>ANN</a:t>
+              </a:r>
+            </a:p>
+          </p:txBody>
+        </p:sp>
+        <p:sp>
+          <p:nvSpPr>
+            <p:cNvPr id="46" name="TextBox 45">
+              <a:extLst>
+                <a:ext uri="{FF2B5EF4-FFF2-40B4-BE49-F238E27FC236}">
+                  <a16:creationId xmlns:a16="http://schemas.microsoft.com/office/drawing/2014/main" id="{450E0253-351D-E541-B375-ED9BC92E7569}"/>
+                </a:ext>
+              </a:extLst>
+            </p:cNvPr>
+            <p:cNvSpPr txBox="1"/>
+            <p:nvPr/>
+          </p:nvSpPr>
+          <p:spPr>
+            <a:xfrm>
+              <a:off x="15268051" y="18212693"/>
+              <a:ext cx="1074333" cy="584775"/>
+            </a:xfrm>
+            <a:prstGeom prst="rect">
+              <a:avLst/>
+            </a:prstGeom>
+            <a:noFill/>
+          </p:spPr>
+          <p:txBody>
+            <a:bodyPr wrap="none" rtlCol="0">
+              <a:spAutoFit/>
+            </a:bodyPr>
+            <a:lstStyle/>
+            <a:p>
+              <a:r>
+                <a:rPr lang="en-US" sz="3200" dirty="0">
+                  <a:latin typeface="Arial" panose="020B0604020202020204" pitchFamily="34" charset="0"/>
+                  <a:cs typeface="Arial" panose="020B0604020202020204" pitchFamily="34" charset="0"/>
+                </a:rPr>
+                <a:t>SVM</a:t>
+              </a:r>
+            </a:p>
+          </p:txBody>
+        </p:sp>
+      </p:grpSp>
+    </p:spTree>
+    <p:extLst>
+      <p:ext uri="{BB962C8B-B14F-4D97-AF65-F5344CB8AC3E}">
+        <p14:creationId xmlns:p14="http://schemas.microsoft.com/office/powerpoint/2010/main" val="2599766902"/>
       </p:ext>
     </p:extLst>
   </p:cSld>
